--- a/Hypotheses Test Concept.pptx
+++ b/Hypotheses Test Concept.pptx
@@ -12926,7 +12926,7 @@
         <p:spPr/>
         <p:txBody>
           <a:bodyPr>
-            <a:normAutofit fontScale="85000" lnSpcReduction="20000"/>
+            <a:normAutofit fontScale="92500" lnSpcReduction="20000"/>
           </a:bodyPr>
           <a:lstStyle/>
           <a:p>
@@ -12939,7 +12939,7 @@
             </a:r>
             <a:r>
               <a:rPr lang="en-DE" dirty="0"/>
-              <a:t>How do </a:t>
+              <a:t>Do </a:t>
             </a:r>
             <a:r>
               <a:rPr lang="en-GB" dirty="0"/>
@@ -13027,15 +13027,83 @@
             </a:pPr>
             <a:r>
               <a:rPr lang="en-DE" b="1" dirty="0"/>
-              <a:t>RQ2: </a:t>
-            </a:r>
-            <a:r>
-              <a:rPr lang="en-DE" dirty="0"/>
-              <a:t>How do </a:t>
-            </a:r>
-            <a:r>
-              <a:rPr lang="en-GB" dirty="0"/>
-              <a:t>Human Development Factors and Financial Inclusion affect Crypto Adoption</a:t>
+              <a:t>RQ2</a:t>
+            </a:r>
+            <a:r>
+              <a:rPr lang="de-DE" b="1" dirty="0"/>
+              <a:t> </a:t>
+            </a:r>
+            <a:r>
+              <a:rPr lang="de-DE" dirty="0" err="1"/>
+              <a:t>Is</a:t>
+            </a:r>
+            <a:r>
+              <a:rPr lang="de-DE" dirty="0"/>
+              <a:t> </a:t>
+            </a:r>
+            <a:r>
+              <a:rPr lang="de-DE" dirty="0" err="1"/>
+              <a:t>the</a:t>
+            </a:r>
+            <a:r>
+              <a:rPr lang="de-DE" dirty="0"/>
+              <a:t> </a:t>
+            </a:r>
+            <a:r>
+              <a:rPr lang="de-DE" dirty="0" err="1"/>
+              <a:t>importance</a:t>
+            </a:r>
+            <a:r>
+              <a:rPr lang="de-DE" dirty="0"/>
+              <a:t> </a:t>
+            </a:r>
+            <a:r>
+              <a:rPr lang="de-DE" dirty="0" err="1"/>
+              <a:t>of</a:t>
+            </a:r>
+            <a:r>
+              <a:rPr lang="de-DE" dirty="0"/>
+              <a:t> Financial </a:t>
+            </a:r>
+            <a:r>
+              <a:rPr lang="de-DE" dirty="0" err="1"/>
+              <a:t>inclusion</a:t>
+            </a:r>
+            <a:r>
+              <a:rPr lang="de-DE" dirty="0"/>
+              <a:t> </a:t>
+            </a:r>
+            <a:r>
+              <a:rPr lang="de-DE" dirty="0" err="1"/>
+              <a:t>increasing</a:t>
+            </a:r>
+            <a:r>
+              <a:rPr lang="de-DE" dirty="0"/>
+              <a:t>, </a:t>
+            </a:r>
+            <a:r>
+              <a:rPr lang="de-DE" dirty="0" err="1"/>
+              <a:t>as</a:t>
+            </a:r>
+            <a:r>
+              <a:rPr lang="de-DE" dirty="0"/>
+              <a:t> a </a:t>
+            </a:r>
+            <a:r>
+              <a:rPr lang="de-DE" dirty="0" err="1"/>
+              <a:t>tool</a:t>
+            </a:r>
+            <a:r>
+              <a:rPr lang="de-DE" dirty="0"/>
+              <a:t> </a:t>
+            </a:r>
+            <a:r>
+              <a:rPr lang="de-DE" dirty="0" err="1"/>
+              <a:t>for</a:t>
+            </a:r>
+            <a:r>
+              <a:rPr lang="de-DE" dirty="0"/>
+              <a:t> Crypto Adoption</a:t>
             </a:r>
             <a:r>
               <a:rPr lang="en-DE" dirty="0"/>
